--- a/ProblemMotivationSolution-matt.pptx
+++ b/ProblemMotivationSolution-matt.pptx
@@ -108,6 +108,11 @@
       </a:defRPr>
     </a:lvl9pPr>
   </p:defaultTextStyle>
+  <p:extLst>
+    <p:ext uri="{EFAFB233-063F-42B5-8137-9DF3F51BA10A}">
+      <p15:sldGuideLst xmlns:p15="http://schemas.microsoft.com/office/powerpoint/2012/main"/>
+    </p:ext>
+  </p:extLst>
 </p:presentation>
 </file>
 
@@ -3312,7 +3317,19 @@
           <a:p>
             <a:r>
               <a:rPr lang="en-US" dirty="0" smtClean="0"/>
-              <a:t>Transform data from time series into structure data with appropriate lag(s) to make it stationary.</a:t>
+              <a:t>Transform data from time series </a:t>
+            </a:r>
+            <a:r>
+              <a:rPr lang="en-US" smtClean="0"/>
+              <a:t>into </a:t>
+            </a:r>
+            <a:r>
+              <a:rPr lang="en-US" smtClean="0"/>
+              <a:t>supervised </a:t>
+            </a:r>
+            <a:r>
+              <a:rPr lang="en-US" dirty="0" smtClean="0"/>
+              <a:t>data with appropriate lag(s) to make it stationary.</a:t>
             </a:r>
           </a:p>
           <a:p>
@@ -3431,7 +3448,6 @@
               <a:rPr lang="en-US" dirty="0" smtClean="0"/>
               <a:t>Invest $1 in the top ten ranked assets for 30 days compared to investing $10 in bitcoin over the same time period. Which ones was a better investment?</a:t>
             </a:r>
-            <a:endParaRPr lang="en-US" dirty="0" smtClean="0"/>
           </a:p>
           <a:p>
             <a:endParaRPr lang="en-US" dirty="0" smtClean="0"/>
